--- a/rm_edits_presentation.pptx
+++ b/rm_edits_presentation.pptx
@@ -209,7 +209,7 @@
           <a:p>
             <a:fld id="{A6DFBC6A-7F13-4AB4-AE86-4E6A1601C79D}" type="datetimeFigureOut">
               <a:rPr lang="en-US" smtClean="0"/>
-              <a:t>3/5/2025</a:t>
+              <a:t>3/6/2025</a:t>
             </a:fld>
             <a:endParaRPr lang="en-US"/>
           </a:p>
@@ -374,7 +374,7 @@
           <a:p>
             <a:fld id="{953846DC-F5FE-4ABC-B26B-9BD64DECF1D0}" type="datetimeFigureOut">
               <a:rPr lang="en-US" smtClean="0"/>
-              <a:t>3/4/2025</a:t>
+              <a:t>3/6/2025</a:t>
             </a:fld>
             <a:endParaRPr lang="en-US"/>
           </a:p>
@@ -799,15 +799,6 @@
           <a:p>
             <a:r>
               <a:rPr lang="en-US" dirty="0"/>
-              <a:t>This is the biggest trend I noticed. Over the past 6 months, acceptance rate has gradually but steadily dropped from 70% to below 50%. Most of the rejections are increases. </a:t>
-            </a:r>
-          </a:p>
-          <a:p>
-            <a:endParaRPr lang="en-US" dirty="0"/>
-          </a:p>
-          <a:p>
-            <a:r>
-              <a:rPr lang="en-US" dirty="0"/>
               <a:t>Definition of ‘acceptance’:</a:t>
             </a:r>
           </a:p>
@@ -902,10 +893,7 @@
           <a:bodyPr/>
           <a:lstStyle/>
           <a:p>
-            <a:r>
-              <a:rPr lang="en-US" dirty="0"/>
-              <a:t>Here’s a breakdown of the biggest markets. The lower they are in this table, the lower the recommendation acceptance rate. You can see that almost every market has a positive median adjustment, showing that there are a lot of increases</a:t>
-            </a:r>
+            <a:endParaRPr lang="en-US" dirty="0"/>
           </a:p>
         </p:txBody>
       </p:sp>
@@ -989,34 +977,7 @@
           <a:bodyPr/>
           <a:lstStyle/>
           <a:p>
-            <a:r>
-              <a:rPr lang="en-US" dirty="0" err="1"/>
-              <a:t>Heres</a:t>
-            </a:r>
-            <a:r>
-              <a:rPr lang="en-US" dirty="0"/>
-              <a:t> a deep dive of the trend in Phoenix. </a:t>
-            </a:r>
-          </a:p>
-          <a:p>
-            <a:pPr marL="171450" indent="-171450">
-              <a:buFontTx/>
-              <a:buChar char="-"/>
-            </a:pPr>
-            <a:r>
-              <a:rPr lang="en-US" dirty="0"/>
-              <a:t>Each dot on this chart is an individual baseline input, shown as its relation to the RMP recommendation. </a:t>
-            </a:r>
-          </a:p>
-          <a:p>
-            <a:pPr marL="171450" indent="-171450">
-              <a:buFontTx/>
-              <a:buChar char="-"/>
-            </a:pPr>
-            <a:r>
-              <a:rPr lang="en-US" dirty="0"/>
-              <a:t>Some unit groups in this market are just completely off, it would be interesting to look at what’s going wrong with the studios. (mostly increases but some decreases)</a:t>
-            </a:r>
+            <a:endParaRPr lang="en-US" dirty="0"/>
           </a:p>
         </p:txBody>
       </p:sp>
@@ -1100,22 +1061,7 @@
           <a:bodyPr/>
           <a:lstStyle/>
           <a:p>
-            <a:r>
-              <a:rPr lang="en-US" dirty="0"/>
-              <a:t>Phoenix: Joshua</a:t>
-            </a:r>
-          </a:p>
-          <a:p>
-            <a:r>
-              <a:rPr lang="en-US" dirty="0"/>
-              <a:t>Fort Worth: Jason</a:t>
-            </a:r>
-          </a:p>
-          <a:p>
-            <a:r>
-              <a:rPr lang="en-US" dirty="0"/>
-              <a:t>Dener: Joshua</a:t>
-            </a:r>
+            <a:endParaRPr lang="en-US" dirty="0"/>
           </a:p>
         </p:txBody>
       </p:sp>
@@ -18270,6 +18216,26 @@
 </file>
 
 <file path=customXml/item1.xml><?xml version="1.0" encoding="utf-8"?>
+<?mso-contentType ?>
+<FormTemplates xmlns="http://schemas.microsoft.com/sharepoint/v3/contenttype/forms">
+  <Display>DocumentLibraryForm</Display>
+  <Edit>DocumentLibraryForm</Edit>
+  <New>DocumentLibraryForm</New>
+</FormTemplates>
+</file>
+
+<file path=customXml/item2.xml><?xml version="1.0" encoding="utf-8"?>
+<p:properties xmlns:p="http://schemas.microsoft.com/office/2006/metadata/properties" xmlns:xsi="http://www.w3.org/2001/XMLSchema-instance" xmlns:pc="http://schemas.microsoft.com/office/infopath/2007/PartnerControls">
+  <documentManagement>
+    <TaxCatchAll xmlns="34c0a65a-1c0f-4ef1-8388-e49450c8afd6" xsi:nil="true"/>
+    <lcf76f155ced4ddcb4097134ff3c332f xmlns="210d8656-336a-499e-be6e-6c489cd6cd5f">
+      <Terms xmlns="http://schemas.microsoft.com/office/infopath/2007/PartnerControls"/>
+    </lcf76f155ced4ddcb4097134ff3c332f>
+  </documentManagement>
+</p:properties>
+</file>
+
+<file path=customXml/item3.xml><?xml version="1.0" encoding="utf-8"?>
 <ct:contentTypeSchema xmlns:ct="http://schemas.microsoft.com/office/2006/metadata/contentType" xmlns:ma="http://schemas.microsoft.com/office/2006/metadata/properties/metaAttributes" ct:_="" ma:_="" ma:contentTypeName="Document" ma:contentTypeID="0x01010038662F042641154BBA9F374C1FE08FE8" ma:contentTypeVersion="14" ma:contentTypeDescription="Create a new document." ma:contentTypeScope="" ma:versionID="c7b593127b8b6d28fb30557421f2dd0f">
   <xsd:schema xmlns:xsd="http://www.w3.org/2001/XMLSchema" xmlns:xs="http://www.w3.org/2001/XMLSchema" xmlns:p="http://schemas.microsoft.com/office/2006/metadata/properties" xmlns:ns2="210d8656-336a-499e-be6e-6c489cd6cd5f" xmlns:ns3="34c0a65a-1c0f-4ef1-8388-e49450c8afd6" targetNamespace="http://schemas.microsoft.com/office/2006/metadata/properties" ma:root="true" ma:fieldsID="cd35698081ee7c58db4da2a6562a3bb0" ns2:_="" ns3:_="">
     <xsd:import namespace="210d8656-336a-499e-be6e-6c489cd6cd5f"/>
@@ -18476,41 +18442,10 @@
 </ct:contentTypeSchema>
 </file>
 
-<file path=customXml/item2.xml><?xml version="1.0" encoding="utf-8"?>
-<p:properties xmlns:p="http://schemas.microsoft.com/office/2006/metadata/properties" xmlns:xsi="http://www.w3.org/2001/XMLSchema-instance" xmlns:pc="http://schemas.microsoft.com/office/infopath/2007/PartnerControls">
-  <documentManagement>
-    <TaxCatchAll xmlns="34c0a65a-1c0f-4ef1-8388-e49450c8afd6" xsi:nil="true"/>
-    <lcf76f155ced4ddcb4097134ff3c332f xmlns="210d8656-336a-499e-be6e-6c489cd6cd5f">
-      <Terms xmlns="http://schemas.microsoft.com/office/infopath/2007/PartnerControls"/>
-    </lcf76f155ced4ddcb4097134ff3c332f>
-  </documentManagement>
-</p:properties>
-</file>
-
-<file path=customXml/item3.xml><?xml version="1.0" encoding="utf-8"?>
-<?mso-contentType ?>
-<FormTemplates xmlns="http://schemas.microsoft.com/sharepoint/v3/contenttype/forms">
-  <Display>DocumentLibraryForm</Display>
-  <Edit>DocumentLibraryForm</Edit>
-  <New>DocumentLibraryForm</New>
-</FormTemplates>
-</file>
-
 <file path=customXml/itemProps1.xml><?xml version="1.0" encoding="utf-8"?>
-<ds:datastoreItem xmlns:ds="http://schemas.openxmlformats.org/officeDocument/2006/customXml" ds:itemID="{8330A287-EEE7-4F24-BF4A-92619411F933}">
+<ds:datastoreItem xmlns:ds="http://schemas.openxmlformats.org/officeDocument/2006/customXml" ds:itemID="{FB0FED4D-0042-4A49-9386-184BA7724842}">
   <ds:schemaRefs>
-    <ds:schemaRef ds:uri="http://schemas.microsoft.com/office/2006/metadata/contentType"/>
-    <ds:schemaRef ds:uri="http://schemas.microsoft.com/office/2006/metadata/properties/metaAttributes"/>
-    <ds:schemaRef ds:uri="http://www.w3.org/2001/XMLSchema"/>
-    <ds:schemaRef ds:uri="http://schemas.microsoft.com/office/2006/metadata/properties"/>
-    <ds:schemaRef ds:uri="210d8656-336a-499e-be6e-6c489cd6cd5f"/>
-    <ds:schemaRef ds:uri="34c0a65a-1c0f-4ef1-8388-e49450c8afd6"/>
-    <ds:schemaRef ds:uri="http://schemas.microsoft.com/office/2006/documentManagement/types"/>
-    <ds:schemaRef ds:uri="http://schemas.microsoft.com/office/infopath/2007/PartnerControls"/>
-    <ds:schemaRef ds:uri="http://schemas.openxmlformats.org/package/2006/metadata/core-properties"/>
-    <ds:schemaRef ds:uri="http://purl.org/dc/elements/1.1/"/>
-    <ds:schemaRef ds:uri="http://purl.org/dc/terms/"/>
-    <ds:schemaRef ds:uri="http://schemas.microsoft.com/internal/obd"/>
+    <ds:schemaRef ds:uri="http://schemas.microsoft.com/sharepoint/v3/contenttype/forms"/>
   </ds:schemaRefs>
 </ds:datastoreItem>
 </file>
@@ -18533,9 +18468,20 @@
 </file>
 
 <file path=customXml/itemProps3.xml><?xml version="1.0" encoding="utf-8"?>
-<ds:datastoreItem xmlns:ds="http://schemas.openxmlformats.org/officeDocument/2006/customXml" ds:itemID="{FB0FED4D-0042-4A49-9386-184BA7724842}">
+<ds:datastoreItem xmlns:ds="http://schemas.openxmlformats.org/officeDocument/2006/customXml" ds:itemID="{8330A287-EEE7-4F24-BF4A-92619411F933}">
   <ds:schemaRefs>
-    <ds:schemaRef ds:uri="http://schemas.microsoft.com/sharepoint/v3/contenttype/forms"/>
+    <ds:schemaRef ds:uri="http://schemas.microsoft.com/office/2006/metadata/contentType"/>
+    <ds:schemaRef ds:uri="http://schemas.microsoft.com/office/2006/metadata/properties/metaAttributes"/>
+    <ds:schemaRef ds:uri="http://www.w3.org/2001/XMLSchema"/>
+    <ds:schemaRef ds:uri="http://schemas.microsoft.com/office/2006/metadata/properties"/>
+    <ds:schemaRef ds:uri="210d8656-336a-499e-be6e-6c489cd6cd5f"/>
+    <ds:schemaRef ds:uri="34c0a65a-1c0f-4ef1-8388-e49450c8afd6"/>
+    <ds:schemaRef ds:uri="http://schemas.microsoft.com/office/2006/documentManagement/types"/>
+    <ds:schemaRef ds:uri="http://schemas.microsoft.com/office/infopath/2007/PartnerControls"/>
+    <ds:schemaRef ds:uri="http://schemas.openxmlformats.org/package/2006/metadata/core-properties"/>
+    <ds:schemaRef ds:uri="http://purl.org/dc/elements/1.1/"/>
+    <ds:schemaRef ds:uri="http://purl.org/dc/terms/"/>
+    <ds:schemaRef ds:uri="http://schemas.microsoft.com/internal/obd"/>
   </ds:schemaRefs>
 </ds:datastoreItem>
 </file>